--- a/ppt 16-9/0925.属灵的争战.pptx
+++ b/ppt 16-9/0925.属灵的争战.pptx
@@ -5,7 +5,7 @@
     <p:sldMasterId id="2147483648" r:id="rId1"/>
   </p:sldMasterIdLst>
   <p:sldIdLst>
-    <p:sldId id="293" r:id="rId2"/>
+    <p:sldId id="295" r:id="rId2"/>
   </p:sldIdLst>
   <p:sldSz cx="12192000" cy="6858000"/>
   <p:notesSz cx="6858000" cy="9144000"/>
@@ -129,7 +129,7 @@
           <p:cNvPr id="2" name="标题 1">
             <a:extLst>
               <a:ext uri="{FF2B5EF4-FFF2-40B4-BE49-F238E27FC236}">
-                <a16:creationId xmlns:a16="http://schemas.microsoft.com/office/drawing/2014/main" id="{8C701F8E-5826-9107-BF17-9A2316987BB6}"/>
+                <a16:creationId xmlns:a16="http://schemas.microsoft.com/office/drawing/2014/main" id="{BE3F705F-F620-AF82-5F2B-23D58A0334B4}"/>
               </a:ext>
             </a:extLst>
           </p:cNvPr>
@@ -166,7 +166,7 @@
           <p:cNvPr id="3" name="副标题 2">
             <a:extLst>
               <a:ext uri="{FF2B5EF4-FFF2-40B4-BE49-F238E27FC236}">
-                <a16:creationId xmlns:a16="http://schemas.microsoft.com/office/drawing/2014/main" id="{EF1B11E1-016C-9FF5-B9F6-54695F9FE6F9}"/>
+                <a16:creationId xmlns:a16="http://schemas.microsoft.com/office/drawing/2014/main" id="{D63A1295-F1BB-0AD0-FD5B-F4B41246D26D}"/>
               </a:ext>
             </a:extLst>
           </p:cNvPr>
@@ -236,7 +236,7 @@
           <p:cNvPr id="4" name="日期占位符 3">
             <a:extLst>
               <a:ext uri="{FF2B5EF4-FFF2-40B4-BE49-F238E27FC236}">
-                <a16:creationId xmlns:a16="http://schemas.microsoft.com/office/drawing/2014/main" id="{CACAB63F-0AA3-8B74-E492-07FAE239B0DE}"/>
+                <a16:creationId xmlns:a16="http://schemas.microsoft.com/office/drawing/2014/main" id="{E60917CE-96CD-4CAB-9075-895E542CC763}"/>
               </a:ext>
             </a:extLst>
           </p:cNvPr>
@@ -252,7 +252,7 @@
           <a:bodyPr/>
           <a:lstStyle/>
           <a:p>
-            <a:fld id="{1CA66A5C-A663-4EA4-92FE-8D8E3765BECE}" type="datetimeFigureOut">
+            <a:fld id="{C409D5DC-02F6-425F-8C38-10F3798BE6C0}" type="datetimeFigureOut">
               <a:rPr lang="zh-CN" altLang="en-US" smtClean="0"/>
               <a:t>2024/3/10</a:t>
             </a:fld>
@@ -265,7 +265,7 @@
           <p:cNvPr id="5" name="页脚占位符 4">
             <a:extLst>
               <a:ext uri="{FF2B5EF4-FFF2-40B4-BE49-F238E27FC236}">
-                <a16:creationId xmlns:a16="http://schemas.microsoft.com/office/drawing/2014/main" id="{816E761D-ED78-9BEB-9391-08553E70DB90}"/>
+                <a16:creationId xmlns:a16="http://schemas.microsoft.com/office/drawing/2014/main" id="{E728B3B0-0122-76A0-0625-5A578AC40220}"/>
               </a:ext>
             </a:extLst>
           </p:cNvPr>
@@ -290,7 +290,7 @@
           <p:cNvPr id="6" name="灯片编号占位符 5">
             <a:extLst>
               <a:ext uri="{FF2B5EF4-FFF2-40B4-BE49-F238E27FC236}">
-                <a16:creationId xmlns:a16="http://schemas.microsoft.com/office/drawing/2014/main" id="{8C7683EB-1499-DB1D-82C6-2443B43CF49E}"/>
+                <a16:creationId xmlns:a16="http://schemas.microsoft.com/office/drawing/2014/main" id="{69E1B972-C4AF-E63B-9DD9-DBFC91D2A055}"/>
               </a:ext>
             </a:extLst>
           </p:cNvPr>
@@ -306,7 +306,7 @@
           <a:bodyPr/>
           <a:lstStyle/>
           <a:p>
-            <a:fld id="{2075508D-FF4D-4FE8-BC58-6B61635A0828}" type="slidenum">
+            <a:fld id="{D78B5998-0C15-44E2-83C5-4D728CDE7610}" type="slidenum">
               <a:rPr lang="zh-CN" altLang="en-US" smtClean="0"/>
               <a:t>‹#›</a:t>
             </a:fld>
@@ -317,7 +317,7 @@
     </p:spTree>
     <p:extLst>
       <p:ext uri="{BB962C8B-B14F-4D97-AF65-F5344CB8AC3E}">
-        <p14:creationId xmlns:p14="http://schemas.microsoft.com/office/powerpoint/2010/main" val="3059779811"/>
+        <p14:creationId xmlns:p14="http://schemas.microsoft.com/office/powerpoint/2010/main" val="2446266155"/>
       </p:ext>
     </p:extLst>
   </p:cSld>
@@ -349,7 +349,7 @@
           <p:cNvPr id="2" name="标题 1">
             <a:extLst>
               <a:ext uri="{FF2B5EF4-FFF2-40B4-BE49-F238E27FC236}">
-                <a16:creationId xmlns:a16="http://schemas.microsoft.com/office/drawing/2014/main" id="{C757FD9D-A780-DE4A-B8BC-B4CE027A8480}"/>
+                <a16:creationId xmlns:a16="http://schemas.microsoft.com/office/drawing/2014/main" id="{A83E19EE-BF85-80F3-6813-CC8B06E9CFE8}"/>
               </a:ext>
             </a:extLst>
           </p:cNvPr>
@@ -377,7 +377,7 @@
           <p:cNvPr id="3" name="竖排文字占位符 2">
             <a:extLst>
               <a:ext uri="{FF2B5EF4-FFF2-40B4-BE49-F238E27FC236}">
-                <a16:creationId xmlns:a16="http://schemas.microsoft.com/office/drawing/2014/main" id="{6C8AB68B-2B36-1E34-8D42-CBB72E4D7AA4}"/>
+                <a16:creationId xmlns:a16="http://schemas.microsoft.com/office/drawing/2014/main" id="{35E3D9AF-7725-B834-D29D-2BEF524D222E}"/>
               </a:ext>
             </a:extLst>
           </p:cNvPr>
@@ -434,7 +434,7 @@
           <p:cNvPr id="4" name="日期占位符 3">
             <a:extLst>
               <a:ext uri="{FF2B5EF4-FFF2-40B4-BE49-F238E27FC236}">
-                <a16:creationId xmlns:a16="http://schemas.microsoft.com/office/drawing/2014/main" id="{B8F03B80-E033-BAE1-CC22-931BE1094688}"/>
+                <a16:creationId xmlns:a16="http://schemas.microsoft.com/office/drawing/2014/main" id="{AFABCAAF-2705-C5E9-B067-71E9BE26401B}"/>
               </a:ext>
             </a:extLst>
           </p:cNvPr>
@@ -450,7 +450,7 @@
           <a:bodyPr/>
           <a:lstStyle/>
           <a:p>
-            <a:fld id="{1CA66A5C-A663-4EA4-92FE-8D8E3765BECE}" type="datetimeFigureOut">
+            <a:fld id="{C409D5DC-02F6-425F-8C38-10F3798BE6C0}" type="datetimeFigureOut">
               <a:rPr lang="zh-CN" altLang="en-US" smtClean="0"/>
               <a:t>2024/3/10</a:t>
             </a:fld>
@@ -463,7 +463,7 @@
           <p:cNvPr id="5" name="页脚占位符 4">
             <a:extLst>
               <a:ext uri="{FF2B5EF4-FFF2-40B4-BE49-F238E27FC236}">
-                <a16:creationId xmlns:a16="http://schemas.microsoft.com/office/drawing/2014/main" id="{256C54F7-4BA2-5247-F204-A3B0A8F1D41A}"/>
+                <a16:creationId xmlns:a16="http://schemas.microsoft.com/office/drawing/2014/main" id="{049F1C93-7F1B-EEA7-BCBB-3E553E56D86C}"/>
               </a:ext>
             </a:extLst>
           </p:cNvPr>
@@ -488,7 +488,7 @@
           <p:cNvPr id="6" name="灯片编号占位符 5">
             <a:extLst>
               <a:ext uri="{FF2B5EF4-FFF2-40B4-BE49-F238E27FC236}">
-                <a16:creationId xmlns:a16="http://schemas.microsoft.com/office/drawing/2014/main" id="{0294F5A6-C22D-E309-D027-7FBDAB3A9579}"/>
+                <a16:creationId xmlns:a16="http://schemas.microsoft.com/office/drawing/2014/main" id="{F8833C68-D492-BD11-2530-102C3C1DD7DE}"/>
               </a:ext>
             </a:extLst>
           </p:cNvPr>
@@ -504,7 +504,7 @@
           <a:bodyPr/>
           <a:lstStyle/>
           <a:p>
-            <a:fld id="{2075508D-FF4D-4FE8-BC58-6B61635A0828}" type="slidenum">
+            <a:fld id="{D78B5998-0C15-44E2-83C5-4D728CDE7610}" type="slidenum">
               <a:rPr lang="zh-CN" altLang="en-US" smtClean="0"/>
               <a:t>‹#›</a:t>
             </a:fld>
@@ -515,7 +515,7 @@
     </p:spTree>
     <p:extLst>
       <p:ext uri="{BB962C8B-B14F-4D97-AF65-F5344CB8AC3E}">
-        <p14:creationId xmlns:p14="http://schemas.microsoft.com/office/powerpoint/2010/main" val="3911219979"/>
+        <p14:creationId xmlns:p14="http://schemas.microsoft.com/office/powerpoint/2010/main" val="2250295940"/>
       </p:ext>
     </p:extLst>
   </p:cSld>
@@ -547,7 +547,7 @@
           <p:cNvPr id="2" name="竖排标题 1">
             <a:extLst>
               <a:ext uri="{FF2B5EF4-FFF2-40B4-BE49-F238E27FC236}">
-                <a16:creationId xmlns:a16="http://schemas.microsoft.com/office/drawing/2014/main" id="{39EA5D2C-ED56-D258-EEAB-043222E9222A}"/>
+                <a16:creationId xmlns:a16="http://schemas.microsoft.com/office/drawing/2014/main" id="{726778B6-5E99-75DF-AD61-EB67A3D1788D}"/>
               </a:ext>
             </a:extLst>
           </p:cNvPr>
@@ -580,7 +580,7 @@
           <p:cNvPr id="3" name="竖排文字占位符 2">
             <a:extLst>
               <a:ext uri="{FF2B5EF4-FFF2-40B4-BE49-F238E27FC236}">
-                <a16:creationId xmlns:a16="http://schemas.microsoft.com/office/drawing/2014/main" id="{5E583CD5-A94A-D1E2-0FD4-BF8937868323}"/>
+                <a16:creationId xmlns:a16="http://schemas.microsoft.com/office/drawing/2014/main" id="{5D04E775-9A0E-858F-B1EA-2CFBD10819BC}"/>
               </a:ext>
             </a:extLst>
           </p:cNvPr>
@@ -642,7 +642,7 @@
           <p:cNvPr id="4" name="日期占位符 3">
             <a:extLst>
               <a:ext uri="{FF2B5EF4-FFF2-40B4-BE49-F238E27FC236}">
-                <a16:creationId xmlns:a16="http://schemas.microsoft.com/office/drawing/2014/main" id="{C78AD6D2-1629-D374-ED71-2D10CF28E3DF}"/>
+                <a16:creationId xmlns:a16="http://schemas.microsoft.com/office/drawing/2014/main" id="{E9EDAC55-2E05-863B-7B62-84103519C952}"/>
               </a:ext>
             </a:extLst>
           </p:cNvPr>
@@ -658,7 +658,7 @@
           <a:bodyPr/>
           <a:lstStyle/>
           <a:p>
-            <a:fld id="{1CA66A5C-A663-4EA4-92FE-8D8E3765BECE}" type="datetimeFigureOut">
+            <a:fld id="{C409D5DC-02F6-425F-8C38-10F3798BE6C0}" type="datetimeFigureOut">
               <a:rPr lang="zh-CN" altLang="en-US" smtClean="0"/>
               <a:t>2024/3/10</a:t>
             </a:fld>
@@ -671,7 +671,7 @@
           <p:cNvPr id="5" name="页脚占位符 4">
             <a:extLst>
               <a:ext uri="{FF2B5EF4-FFF2-40B4-BE49-F238E27FC236}">
-                <a16:creationId xmlns:a16="http://schemas.microsoft.com/office/drawing/2014/main" id="{5B485A65-8637-D119-7540-FA844F37DCDB}"/>
+                <a16:creationId xmlns:a16="http://schemas.microsoft.com/office/drawing/2014/main" id="{A800EB22-83B5-AA1B-F5D2-06149CF94081}"/>
               </a:ext>
             </a:extLst>
           </p:cNvPr>
@@ -696,7 +696,7 @@
           <p:cNvPr id="6" name="灯片编号占位符 5">
             <a:extLst>
               <a:ext uri="{FF2B5EF4-FFF2-40B4-BE49-F238E27FC236}">
-                <a16:creationId xmlns:a16="http://schemas.microsoft.com/office/drawing/2014/main" id="{24AB899A-0500-602F-9F62-4FFC70473099}"/>
+                <a16:creationId xmlns:a16="http://schemas.microsoft.com/office/drawing/2014/main" id="{FB18918E-617F-CD6A-61AB-BD6224DF54B8}"/>
               </a:ext>
             </a:extLst>
           </p:cNvPr>
@@ -712,7 +712,7 @@
           <a:bodyPr/>
           <a:lstStyle/>
           <a:p>
-            <a:fld id="{2075508D-FF4D-4FE8-BC58-6B61635A0828}" type="slidenum">
+            <a:fld id="{D78B5998-0C15-44E2-83C5-4D728CDE7610}" type="slidenum">
               <a:rPr lang="zh-CN" altLang="en-US" smtClean="0"/>
               <a:t>‹#›</a:t>
             </a:fld>
@@ -723,7 +723,7 @@
     </p:spTree>
     <p:extLst>
       <p:ext uri="{BB962C8B-B14F-4D97-AF65-F5344CB8AC3E}">
-        <p14:creationId xmlns:p14="http://schemas.microsoft.com/office/powerpoint/2010/main" val="287026293"/>
+        <p14:creationId xmlns:p14="http://schemas.microsoft.com/office/powerpoint/2010/main" val="846925293"/>
       </p:ext>
     </p:extLst>
   </p:cSld>
@@ -755,7 +755,7 @@
           <p:cNvPr id="2" name="标题 1">
             <a:extLst>
               <a:ext uri="{FF2B5EF4-FFF2-40B4-BE49-F238E27FC236}">
-                <a16:creationId xmlns:a16="http://schemas.microsoft.com/office/drawing/2014/main" id="{7A80DED9-AF62-C093-7598-C8A2AB142B60}"/>
+                <a16:creationId xmlns:a16="http://schemas.microsoft.com/office/drawing/2014/main" id="{2118AC62-77CA-000F-A6D0-3F9BD2626901}"/>
               </a:ext>
             </a:extLst>
           </p:cNvPr>
@@ -783,7 +783,7 @@
           <p:cNvPr id="3" name="内容占位符 2">
             <a:extLst>
               <a:ext uri="{FF2B5EF4-FFF2-40B4-BE49-F238E27FC236}">
-                <a16:creationId xmlns:a16="http://schemas.microsoft.com/office/drawing/2014/main" id="{0E204C1B-5C7E-F615-B919-7F505C70B45D}"/>
+                <a16:creationId xmlns:a16="http://schemas.microsoft.com/office/drawing/2014/main" id="{F904A8DD-C21E-2885-69F5-E50498636AB1}"/>
               </a:ext>
             </a:extLst>
           </p:cNvPr>
@@ -840,7 +840,7 @@
           <p:cNvPr id="4" name="日期占位符 3">
             <a:extLst>
               <a:ext uri="{FF2B5EF4-FFF2-40B4-BE49-F238E27FC236}">
-                <a16:creationId xmlns:a16="http://schemas.microsoft.com/office/drawing/2014/main" id="{7545C46A-B32D-FFEC-1125-1FC110383656}"/>
+                <a16:creationId xmlns:a16="http://schemas.microsoft.com/office/drawing/2014/main" id="{FBF9EE64-BA6D-F1A9-FE03-EEBDB86FFEA5}"/>
               </a:ext>
             </a:extLst>
           </p:cNvPr>
@@ -856,7 +856,7 @@
           <a:bodyPr/>
           <a:lstStyle/>
           <a:p>
-            <a:fld id="{1CA66A5C-A663-4EA4-92FE-8D8E3765BECE}" type="datetimeFigureOut">
+            <a:fld id="{C409D5DC-02F6-425F-8C38-10F3798BE6C0}" type="datetimeFigureOut">
               <a:rPr lang="zh-CN" altLang="en-US" smtClean="0"/>
               <a:t>2024/3/10</a:t>
             </a:fld>
@@ -869,7 +869,7 @@
           <p:cNvPr id="5" name="页脚占位符 4">
             <a:extLst>
               <a:ext uri="{FF2B5EF4-FFF2-40B4-BE49-F238E27FC236}">
-                <a16:creationId xmlns:a16="http://schemas.microsoft.com/office/drawing/2014/main" id="{9E923552-4CD5-82CF-7DF6-6BDB1C09D2AF}"/>
+                <a16:creationId xmlns:a16="http://schemas.microsoft.com/office/drawing/2014/main" id="{80C0F967-EE2F-9310-E81B-69CE61C07861}"/>
               </a:ext>
             </a:extLst>
           </p:cNvPr>
@@ -894,7 +894,7 @@
           <p:cNvPr id="6" name="灯片编号占位符 5">
             <a:extLst>
               <a:ext uri="{FF2B5EF4-FFF2-40B4-BE49-F238E27FC236}">
-                <a16:creationId xmlns:a16="http://schemas.microsoft.com/office/drawing/2014/main" id="{C828EDAA-240D-34AF-6BB6-A8FE80D11F16}"/>
+                <a16:creationId xmlns:a16="http://schemas.microsoft.com/office/drawing/2014/main" id="{02C6D7CC-5770-AB72-C1C1-0E6AF9F6C5E4}"/>
               </a:ext>
             </a:extLst>
           </p:cNvPr>
@@ -910,7 +910,7 @@
           <a:bodyPr/>
           <a:lstStyle/>
           <a:p>
-            <a:fld id="{2075508D-FF4D-4FE8-BC58-6B61635A0828}" type="slidenum">
+            <a:fld id="{D78B5998-0C15-44E2-83C5-4D728CDE7610}" type="slidenum">
               <a:rPr lang="zh-CN" altLang="en-US" smtClean="0"/>
               <a:t>‹#›</a:t>
             </a:fld>
@@ -921,7 +921,7 @@
     </p:spTree>
     <p:extLst>
       <p:ext uri="{BB962C8B-B14F-4D97-AF65-F5344CB8AC3E}">
-        <p14:creationId xmlns:p14="http://schemas.microsoft.com/office/powerpoint/2010/main" val="1118113771"/>
+        <p14:creationId xmlns:p14="http://schemas.microsoft.com/office/powerpoint/2010/main" val="1350101413"/>
       </p:ext>
     </p:extLst>
   </p:cSld>
@@ -953,7 +953,7 @@
           <p:cNvPr id="2" name="标题 1">
             <a:extLst>
               <a:ext uri="{FF2B5EF4-FFF2-40B4-BE49-F238E27FC236}">
-                <a16:creationId xmlns:a16="http://schemas.microsoft.com/office/drawing/2014/main" id="{92A66611-6466-7B59-16C2-FE2D8A80FB41}"/>
+                <a16:creationId xmlns:a16="http://schemas.microsoft.com/office/drawing/2014/main" id="{080CBEF7-D6FB-2DFD-7F85-F7995237BCF1}"/>
               </a:ext>
             </a:extLst>
           </p:cNvPr>
@@ -990,7 +990,7 @@
           <p:cNvPr id="3" name="文本占位符 2">
             <a:extLst>
               <a:ext uri="{FF2B5EF4-FFF2-40B4-BE49-F238E27FC236}">
-                <a16:creationId xmlns:a16="http://schemas.microsoft.com/office/drawing/2014/main" id="{7CFC33F8-FD42-8AD6-2CC7-FBBC95028B27}"/>
+                <a16:creationId xmlns:a16="http://schemas.microsoft.com/office/drawing/2014/main" id="{691F0DE5-ACFB-408B-8C9F-FD2694593B72}"/>
               </a:ext>
             </a:extLst>
           </p:cNvPr>
@@ -1115,7 +1115,7 @@
           <p:cNvPr id="4" name="日期占位符 3">
             <a:extLst>
               <a:ext uri="{FF2B5EF4-FFF2-40B4-BE49-F238E27FC236}">
-                <a16:creationId xmlns:a16="http://schemas.microsoft.com/office/drawing/2014/main" id="{A5682A29-61A1-91B4-40B1-D0DF2FF27E52}"/>
+                <a16:creationId xmlns:a16="http://schemas.microsoft.com/office/drawing/2014/main" id="{0BBB73A3-E7E6-28E5-7D2F-B11C9BCB9487}"/>
               </a:ext>
             </a:extLst>
           </p:cNvPr>
@@ -1131,7 +1131,7 @@
           <a:bodyPr/>
           <a:lstStyle/>
           <a:p>
-            <a:fld id="{1CA66A5C-A663-4EA4-92FE-8D8E3765BECE}" type="datetimeFigureOut">
+            <a:fld id="{C409D5DC-02F6-425F-8C38-10F3798BE6C0}" type="datetimeFigureOut">
               <a:rPr lang="zh-CN" altLang="en-US" smtClean="0"/>
               <a:t>2024/3/10</a:t>
             </a:fld>
@@ -1144,7 +1144,7 @@
           <p:cNvPr id="5" name="页脚占位符 4">
             <a:extLst>
               <a:ext uri="{FF2B5EF4-FFF2-40B4-BE49-F238E27FC236}">
-                <a16:creationId xmlns:a16="http://schemas.microsoft.com/office/drawing/2014/main" id="{DCD19C22-76F6-D524-39A0-C7861779984E}"/>
+                <a16:creationId xmlns:a16="http://schemas.microsoft.com/office/drawing/2014/main" id="{60F455C6-43B3-C3F7-8F18-94BFB1796E5E}"/>
               </a:ext>
             </a:extLst>
           </p:cNvPr>
@@ -1169,7 +1169,7 @@
           <p:cNvPr id="6" name="灯片编号占位符 5">
             <a:extLst>
               <a:ext uri="{FF2B5EF4-FFF2-40B4-BE49-F238E27FC236}">
-                <a16:creationId xmlns:a16="http://schemas.microsoft.com/office/drawing/2014/main" id="{456ED124-7F57-2726-FF58-17E242333EBE}"/>
+                <a16:creationId xmlns:a16="http://schemas.microsoft.com/office/drawing/2014/main" id="{BEE87F04-E8EE-2A80-4D0D-69696840DC4C}"/>
               </a:ext>
             </a:extLst>
           </p:cNvPr>
@@ -1185,7 +1185,7 @@
           <a:bodyPr/>
           <a:lstStyle/>
           <a:p>
-            <a:fld id="{2075508D-FF4D-4FE8-BC58-6B61635A0828}" type="slidenum">
+            <a:fld id="{D78B5998-0C15-44E2-83C5-4D728CDE7610}" type="slidenum">
               <a:rPr lang="zh-CN" altLang="en-US" smtClean="0"/>
               <a:t>‹#›</a:t>
             </a:fld>
@@ -1196,7 +1196,7 @@
     </p:spTree>
     <p:extLst>
       <p:ext uri="{BB962C8B-B14F-4D97-AF65-F5344CB8AC3E}">
-        <p14:creationId xmlns:p14="http://schemas.microsoft.com/office/powerpoint/2010/main" val="1985114019"/>
+        <p14:creationId xmlns:p14="http://schemas.microsoft.com/office/powerpoint/2010/main" val="2258850383"/>
       </p:ext>
     </p:extLst>
   </p:cSld>
@@ -1228,7 +1228,7 @@
           <p:cNvPr id="2" name="标题 1">
             <a:extLst>
               <a:ext uri="{FF2B5EF4-FFF2-40B4-BE49-F238E27FC236}">
-                <a16:creationId xmlns:a16="http://schemas.microsoft.com/office/drawing/2014/main" id="{E77DA2C9-474A-33AE-50E5-6E47B63D0A9C}"/>
+                <a16:creationId xmlns:a16="http://schemas.microsoft.com/office/drawing/2014/main" id="{4992D7F8-3580-5790-4890-9A150F177532}"/>
               </a:ext>
             </a:extLst>
           </p:cNvPr>
@@ -1256,7 +1256,7 @@
           <p:cNvPr id="3" name="内容占位符 2">
             <a:extLst>
               <a:ext uri="{FF2B5EF4-FFF2-40B4-BE49-F238E27FC236}">
-                <a16:creationId xmlns:a16="http://schemas.microsoft.com/office/drawing/2014/main" id="{84C91C5E-9697-269C-89AE-E27753C405FD}"/>
+                <a16:creationId xmlns:a16="http://schemas.microsoft.com/office/drawing/2014/main" id="{104B5EA4-ACA4-CBE5-CB1C-B7B292891405}"/>
               </a:ext>
             </a:extLst>
           </p:cNvPr>
@@ -1318,7 +1318,7 @@
           <p:cNvPr id="4" name="内容占位符 3">
             <a:extLst>
               <a:ext uri="{FF2B5EF4-FFF2-40B4-BE49-F238E27FC236}">
-                <a16:creationId xmlns:a16="http://schemas.microsoft.com/office/drawing/2014/main" id="{745E9675-CE11-74BE-0F95-BD6832A71998}"/>
+                <a16:creationId xmlns:a16="http://schemas.microsoft.com/office/drawing/2014/main" id="{853CDC29-0166-8AF8-D1BE-453C5D3A8211}"/>
               </a:ext>
             </a:extLst>
           </p:cNvPr>
@@ -1380,7 +1380,7 @@
           <p:cNvPr id="5" name="日期占位符 4">
             <a:extLst>
               <a:ext uri="{FF2B5EF4-FFF2-40B4-BE49-F238E27FC236}">
-                <a16:creationId xmlns:a16="http://schemas.microsoft.com/office/drawing/2014/main" id="{74F18AD7-F61B-C6B4-E536-EC2845682EC5}"/>
+                <a16:creationId xmlns:a16="http://schemas.microsoft.com/office/drawing/2014/main" id="{5E86B000-D1B5-9570-B1C1-783788649A9B}"/>
               </a:ext>
             </a:extLst>
           </p:cNvPr>
@@ -1396,7 +1396,7 @@
           <a:bodyPr/>
           <a:lstStyle/>
           <a:p>
-            <a:fld id="{1CA66A5C-A663-4EA4-92FE-8D8E3765BECE}" type="datetimeFigureOut">
+            <a:fld id="{C409D5DC-02F6-425F-8C38-10F3798BE6C0}" type="datetimeFigureOut">
               <a:rPr lang="zh-CN" altLang="en-US" smtClean="0"/>
               <a:t>2024/3/10</a:t>
             </a:fld>
@@ -1409,7 +1409,7 @@
           <p:cNvPr id="6" name="页脚占位符 5">
             <a:extLst>
               <a:ext uri="{FF2B5EF4-FFF2-40B4-BE49-F238E27FC236}">
-                <a16:creationId xmlns:a16="http://schemas.microsoft.com/office/drawing/2014/main" id="{BA549809-DB16-9FC1-28DB-02BB09C3020C}"/>
+                <a16:creationId xmlns:a16="http://schemas.microsoft.com/office/drawing/2014/main" id="{87D1F07A-4F0C-1741-8482-C34E69000B9D}"/>
               </a:ext>
             </a:extLst>
           </p:cNvPr>
@@ -1434,7 +1434,7 @@
           <p:cNvPr id="7" name="灯片编号占位符 6">
             <a:extLst>
               <a:ext uri="{FF2B5EF4-FFF2-40B4-BE49-F238E27FC236}">
-                <a16:creationId xmlns:a16="http://schemas.microsoft.com/office/drawing/2014/main" id="{94C402C0-D106-D417-7D9F-F5186FB00BE4}"/>
+                <a16:creationId xmlns:a16="http://schemas.microsoft.com/office/drawing/2014/main" id="{806BB37C-00CF-B187-DF89-D0B5AF70CD45}"/>
               </a:ext>
             </a:extLst>
           </p:cNvPr>
@@ -1450,7 +1450,7 @@
           <a:bodyPr/>
           <a:lstStyle/>
           <a:p>
-            <a:fld id="{2075508D-FF4D-4FE8-BC58-6B61635A0828}" type="slidenum">
+            <a:fld id="{D78B5998-0C15-44E2-83C5-4D728CDE7610}" type="slidenum">
               <a:rPr lang="zh-CN" altLang="en-US" smtClean="0"/>
               <a:t>‹#›</a:t>
             </a:fld>
@@ -1461,7 +1461,7 @@
     </p:spTree>
     <p:extLst>
       <p:ext uri="{BB962C8B-B14F-4D97-AF65-F5344CB8AC3E}">
-        <p14:creationId xmlns:p14="http://schemas.microsoft.com/office/powerpoint/2010/main" val="4283332039"/>
+        <p14:creationId xmlns:p14="http://schemas.microsoft.com/office/powerpoint/2010/main" val="1433456662"/>
       </p:ext>
     </p:extLst>
   </p:cSld>
@@ -1493,7 +1493,7 @@
           <p:cNvPr id="2" name="标题 1">
             <a:extLst>
               <a:ext uri="{FF2B5EF4-FFF2-40B4-BE49-F238E27FC236}">
-                <a16:creationId xmlns:a16="http://schemas.microsoft.com/office/drawing/2014/main" id="{5B4F6237-612A-9D10-1618-C973BC221D44}"/>
+                <a16:creationId xmlns:a16="http://schemas.microsoft.com/office/drawing/2014/main" id="{46F74EA5-176C-0BD1-7FC3-24476CDD2A84}"/>
               </a:ext>
             </a:extLst>
           </p:cNvPr>
@@ -1526,7 +1526,7 @@
           <p:cNvPr id="3" name="文本占位符 2">
             <a:extLst>
               <a:ext uri="{FF2B5EF4-FFF2-40B4-BE49-F238E27FC236}">
-                <a16:creationId xmlns:a16="http://schemas.microsoft.com/office/drawing/2014/main" id="{9769317C-5CD3-83F1-9F0A-C9F706701CEF}"/>
+                <a16:creationId xmlns:a16="http://schemas.microsoft.com/office/drawing/2014/main" id="{46239CFE-D4F3-3023-0DF9-5CDDE2BD8B00}"/>
               </a:ext>
             </a:extLst>
           </p:cNvPr>
@@ -1597,7 +1597,7 @@
           <p:cNvPr id="4" name="内容占位符 3">
             <a:extLst>
               <a:ext uri="{FF2B5EF4-FFF2-40B4-BE49-F238E27FC236}">
-                <a16:creationId xmlns:a16="http://schemas.microsoft.com/office/drawing/2014/main" id="{C7A60A47-5B30-AAAD-BCE0-57136407E26B}"/>
+                <a16:creationId xmlns:a16="http://schemas.microsoft.com/office/drawing/2014/main" id="{BCF2EC89-B657-6740-585D-2D222451C277}"/>
               </a:ext>
             </a:extLst>
           </p:cNvPr>
@@ -1659,7 +1659,7 @@
           <p:cNvPr id="5" name="文本占位符 4">
             <a:extLst>
               <a:ext uri="{FF2B5EF4-FFF2-40B4-BE49-F238E27FC236}">
-                <a16:creationId xmlns:a16="http://schemas.microsoft.com/office/drawing/2014/main" id="{EE4C8E95-4DE4-E036-7648-9917F745ED7F}"/>
+                <a16:creationId xmlns:a16="http://schemas.microsoft.com/office/drawing/2014/main" id="{1D2A2BAD-4372-422F-BB09-C9825C15C9D0}"/>
               </a:ext>
             </a:extLst>
           </p:cNvPr>
@@ -1730,7 +1730,7 @@
           <p:cNvPr id="6" name="内容占位符 5">
             <a:extLst>
               <a:ext uri="{FF2B5EF4-FFF2-40B4-BE49-F238E27FC236}">
-                <a16:creationId xmlns:a16="http://schemas.microsoft.com/office/drawing/2014/main" id="{01E81DFE-271F-5C3F-1511-04AD6D9D9C16}"/>
+                <a16:creationId xmlns:a16="http://schemas.microsoft.com/office/drawing/2014/main" id="{BA70CBDE-9CDC-9318-4378-63EF746D8322}"/>
               </a:ext>
             </a:extLst>
           </p:cNvPr>
@@ -1792,7 +1792,7 @@
           <p:cNvPr id="7" name="日期占位符 6">
             <a:extLst>
               <a:ext uri="{FF2B5EF4-FFF2-40B4-BE49-F238E27FC236}">
-                <a16:creationId xmlns:a16="http://schemas.microsoft.com/office/drawing/2014/main" id="{B2D87386-C35D-150B-3578-5A1B4A6D5041}"/>
+                <a16:creationId xmlns:a16="http://schemas.microsoft.com/office/drawing/2014/main" id="{4303ECC4-477A-D555-04E5-190270F00154}"/>
               </a:ext>
             </a:extLst>
           </p:cNvPr>
@@ -1808,7 +1808,7 @@
           <a:bodyPr/>
           <a:lstStyle/>
           <a:p>
-            <a:fld id="{1CA66A5C-A663-4EA4-92FE-8D8E3765BECE}" type="datetimeFigureOut">
+            <a:fld id="{C409D5DC-02F6-425F-8C38-10F3798BE6C0}" type="datetimeFigureOut">
               <a:rPr lang="zh-CN" altLang="en-US" smtClean="0"/>
               <a:t>2024/3/10</a:t>
             </a:fld>
@@ -1821,7 +1821,7 @@
           <p:cNvPr id="8" name="页脚占位符 7">
             <a:extLst>
               <a:ext uri="{FF2B5EF4-FFF2-40B4-BE49-F238E27FC236}">
-                <a16:creationId xmlns:a16="http://schemas.microsoft.com/office/drawing/2014/main" id="{01D66617-1763-CA1B-95D3-9743FA2FE358}"/>
+                <a16:creationId xmlns:a16="http://schemas.microsoft.com/office/drawing/2014/main" id="{95DE1A48-4801-DDB5-7C2B-F9290E2693F5}"/>
               </a:ext>
             </a:extLst>
           </p:cNvPr>
@@ -1846,7 +1846,7 @@
           <p:cNvPr id="9" name="灯片编号占位符 8">
             <a:extLst>
               <a:ext uri="{FF2B5EF4-FFF2-40B4-BE49-F238E27FC236}">
-                <a16:creationId xmlns:a16="http://schemas.microsoft.com/office/drawing/2014/main" id="{1B2A692F-3B35-947B-E5CB-D27C097A8CDD}"/>
+                <a16:creationId xmlns:a16="http://schemas.microsoft.com/office/drawing/2014/main" id="{9CE1368C-1AE4-520E-F715-730DB77ABB66}"/>
               </a:ext>
             </a:extLst>
           </p:cNvPr>
@@ -1862,7 +1862,7 @@
           <a:bodyPr/>
           <a:lstStyle/>
           <a:p>
-            <a:fld id="{2075508D-FF4D-4FE8-BC58-6B61635A0828}" type="slidenum">
+            <a:fld id="{D78B5998-0C15-44E2-83C5-4D728CDE7610}" type="slidenum">
               <a:rPr lang="zh-CN" altLang="en-US" smtClean="0"/>
               <a:t>‹#›</a:t>
             </a:fld>
@@ -1873,7 +1873,7 @@
     </p:spTree>
     <p:extLst>
       <p:ext uri="{BB962C8B-B14F-4D97-AF65-F5344CB8AC3E}">
-        <p14:creationId xmlns:p14="http://schemas.microsoft.com/office/powerpoint/2010/main" val="16061207"/>
+        <p14:creationId xmlns:p14="http://schemas.microsoft.com/office/powerpoint/2010/main" val="359050861"/>
       </p:ext>
     </p:extLst>
   </p:cSld>
@@ -1905,7 +1905,7 @@
           <p:cNvPr id="2" name="标题 1">
             <a:extLst>
               <a:ext uri="{FF2B5EF4-FFF2-40B4-BE49-F238E27FC236}">
-                <a16:creationId xmlns:a16="http://schemas.microsoft.com/office/drawing/2014/main" id="{FC6BCBD2-505C-81F2-7A90-2D8DE23423E2}"/>
+                <a16:creationId xmlns:a16="http://schemas.microsoft.com/office/drawing/2014/main" id="{2A3C00FB-566F-593C-8A24-B4BC74AA7E15}"/>
               </a:ext>
             </a:extLst>
           </p:cNvPr>
@@ -1933,7 +1933,7 @@
           <p:cNvPr id="3" name="日期占位符 2">
             <a:extLst>
               <a:ext uri="{FF2B5EF4-FFF2-40B4-BE49-F238E27FC236}">
-                <a16:creationId xmlns:a16="http://schemas.microsoft.com/office/drawing/2014/main" id="{AD38C257-0D45-6AD4-EA66-F52915E2FD0C}"/>
+                <a16:creationId xmlns:a16="http://schemas.microsoft.com/office/drawing/2014/main" id="{29382CF6-F473-C3A5-F5DD-69979FB732B1}"/>
               </a:ext>
             </a:extLst>
           </p:cNvPr>
@@ -1949,7 +1949,7 @@
           <a:bodyPr/>
           <a:lstStyle/>
           <a:p>
-            <a:fld id="{1CA66A5C-A663-4EA4-92FE-8D8E3765BECE}" type="datetimeFigureOut">
+            <a:fld id="{C409D5DC-02F6-425F-8C38-10F3798BE6C0}" type="datetimeFigureOut">
               <a:rPr lang="zh-CN" altLang="en-US" smtClean="0"/>
               <a:t>2024/3/10</a:t>
             </a:fld>
@@ -1962,7 +1962,7 @@
           <p:cNvPr id="4" name="页脚占位符 3">
             <a:extLst>
               <a:ext uri="{FF2B5EF4-FFF2-40B4-BE49-F238E27FC236}">
-                <a16:creationId xmlns:a16="http://schemas.microsoft.com/office/drawing/2014/main" id="{D24894FF-8D74-DBCA-1A0E-770C4A423BD8}"/>
+                <a16:creationId xmlns:a16="http://schemas.microsoft.com/office/drawing/2014/main" id="{08C24EDC-08F1-9385-FF4A-63A12AA7B8FF}"/>
               </a:ext>
             </a:extLst>
           </p:cNvPr>
@@ -1987,7 +1987,7 @@
           <p:cNvPr id="5" name="灯片编号占位符 4">
             <a:extLst>
               <a:ext uri="{FF2B5EF4-FFF2-40B4-BE49-F238E27FC236}">
-                <a16:creationId xmlns:a16="http://schemas.microsoft.com/office/drawing/2014/main" id="{C8842DCC-5CCA-8A82-DED1-6F479F690453}"/>
+                <a16:creationId xmlns:a16="http://schemas.microsoft.com/office/drawing/2014/main" id="{104380C7-11D4-9F1F-DE34-1ADF526E4F30}"/>
               </a:ext>
             </a:extLst>
           </p:cNvPr>
@@ -2003,7 +2003,7 @@
           <a:bodyPr/>
           <a:lstStyle/>
           <a:p>
-            <a:fld id="{2075508D-FF4D-4FE8-BC58-6B61635A0828}" type="slidenum">
+            <a:fld id="{D78B5998-0C15-44E2-83C5-4D728CDE7610}" type="slidenum">
               <a:rPr lang="zh-CN" altLang="en-US" smtClean="0"/>
               <a:t>‹#›</a:t>
             </a:fld>
@@ -2014,7 +2014,7 @@
     </p:spTree>
     <p:extLst>
       <p:ext uri="{BB962C8B-B14F-4D97-AF65-F5344CB8AC3E}">
-        <p14:creationId xmlns:p14="http://schemas.microsoft.com/office/powerpoint/2010/main" val="3201282354"/>
+        <p14:creationId xmlns:p14="http://schemas.microsoft.com/office/powerpoint/2010/main" val="1259458496"/>
       </p:ext>
     </p:extLst>
   </p:cSld>
@@ -2046,7 +2046,7 @@
           <p:cNvPr id="2" name="日期占位符 1">
             <a:extLst>
               <a:ext uri="{FF2B5EF4-FFF2-40B4-BE49-F238E27FC236}">
-                <a16:creationId xmlns:a16="http://schemas.microsoft.com/office/drawing/2014/main" id="{8AE4B8DA-53B8-92D2-B61C-72D8F48253F6}"/>
+                <a16:creationId xmlns:a16="http://schemas.microsoft.com/office/drawing/2014/main" id="{F46F93A8-8940-C3F3-CE00-51FE0410AF04}"/>
               </a:ext>
             </a:extLst>
           </p:cNvPr>
@@ -2062,7 +2062,7 @@
           <a:bodyPr/>
           <a:lstStyle/>
           <a:p>
-            <a:fld id="{1CA66A5C-A663-4EA4-92FE-8D8E3765BECE}" type="datetimeFigureOut">
+            <a:fld id="{C409D5DC-02F6-425F-8C38-10F3798BE6C0}" type="datetimeFigureOut">
               <a:rPr lang="zh-CN" altLang="en-US" smtClean="0"/>
               <a:t>2024/3/10</a:t>
             </a:fld>
@@ -2075,7 +2075,7 @@
           <p:cNvPr id="3" name="页脚占位符 2">
             <a:extLst>
               <a:ext uri="{FF2B5EF4-FFF2-40B4-BE49-F238E27FC236}">
-                <a16:creationId xmlns:a16="http://schemas.microsoft.com/office/drawing/2014/main" id="{920353EF-71BE-7D7D-9A81-B31496C77228}"/>
+                <a16:creationId xmlns:a16="http://schemas.microsoft.com/office/drawing/2014/main" id="{EA27E55A-4E88-E703-3182-C4F7541D3132}"/>
               </a:ext>
             </a:extLst>
           </p:cNvPr>
@@ -2100,7 +2100,7 @@
           <p:cNvPr id="4" name="灯片编号占位符 3">
             <a:extLst>
               <a:ext uri="{FF2B5EF4-FFF2-40B4-BE49-F238E27FC236}">
-                <a16:creationId xmlns:a16="http://schemas.microsoft.com/office/drawing/2014/main" id="{085D8953-E72A-A1CF-C854-CDC09A8C9EB9}"/>
+                <a16:creationId xmlns:a16="http://schemas.microsoft.com/office/drawing/2014/main" id="{223CF7FB-3ADB-0B2C-6535-E3BC4A982F50}"/>
               </a:ext>
             </a:extLst>
           </p:cNvPr>
@@ -2116,7 +2116,7 @@
           <a:bodyPr/>
           <a:lstStyle/>
           <a:p>
-            <a:fld id="{2075508D-FF4D-4FE8-BC58-6B61635A0828}" type="slidenum">
+            <a:fld id="{D78B5998-0C15-44E2-83C5-4D728CDE7610}" type="slidenum">
               <a:rPr lang="zh-CN" altLang="en-US" smtClean="0"/>
               <a:t>‹#›</a:t>
             </a:fld>
@@ -2127,7 +2127,7 @@
     </p:spTree>
     <p:extLst>
       <p:ext uri="{BB962C8B-B14F-4D97-AF65-F5344CB8AC3E}">
-        <p14:creationId xmlns:p14="http://schemas.microsoft.com/office/powerpoint/2010/main" val="1107541204"/>
+        <p14:creationId xmlns:p14="http://schemas.microsoft.com/office/powerpoint/2010/main" val="2207130822"/>
       </p:ext>
     </p:extLst>
   </p:cSld>
@@ -2159,7 +2159,7 @@
           <p:cNvPr id="2" name="标题 1">
             <a:extLst>
               <a:ext uri="{FF2B5EF4-FFF2-40B4-BE49-F238E27FC236}">
-                <a16:creationId xmlns:a16="http://schemas.microsoft.com/office/drawing/2014/main" id="{0BA6A118-DA0E-84C4-55CA-A8CEECC2AC79}"/>
+                <a16:creationId xmlns:a16="http://schemas.microsoft.com/office/drawing/2014/main" id="{7202748F-D528-53CA-B5A2-100435A0D8B1}"/>
               </a:ext>
             </a:extLst>
           </p:cNvPr>
@@ -2196,7 +2196,7 @@
           <p:cNvPr id="3" name="内容占位符 2">
             <a:extLst>
               <a:ext uri="{FF2B5EF4-FFF2-40B4-BE49-F238E27FC236}">
-                <a16:creationId xmlns:a16="http://schemas.microsoft.com/office/drawing/2014/main" id="{D68CFC5E-AD19-2EBA-891F-F886421694CA}"/>
+                <a16:creationId xmlns:a16="http://schemas.microsoft.com/office/drawing/2014/main" id="{9A1600D9-6EF8-9D8D-5FCB-991D8F1F9172}"/>
               </a:ext>
             </a:extLst>
           </p:cNvPr>
@@ -2286,7 +2286,7 @@
           <p:cNvPr id="4" name="文本占位符 3">
             <a:extLst>
               <a:ext uri="{FF2B5EF4-FFF2-40B4-BE49-F238E27FC236}">
-                <a16:creationId xmlns:a16="http://schemas.microsoft.com/office/drawing/2014/main" id="{6D953DEB-8BCE-D80B-2744-51E28935CD62}"/>
+                <a16:creationId xmlns:a16="http://schemas.microsoft.com/office/drawing/2014/main" id="{43EC9D1E-FCC3-ABC2-FBE3-058B93A55C7A}"/>
               </a:ext>
             </a:extLst>
           </p:cNvPr>
@@ -2357,7 +2357,7 @@
           <p:cNvPr id="5" name="日期占位符 4">
             <a:extLst>
               <a:ext uri="{FF2B5EF4-FFF2-40B4-BE49-F238E27FC236}">
-                <a16:creationId xmlns:a16="http://schemas.microsoft.com/office/drawing/2014/main" id="{2611F3F2-882B-99C1-AED7-05C58ED25D73}"/>
+                <a16:creationId xmlns:a16="http://schemas.microsoft.com/office/drawing/2014/main" id="{2F41B404-D230-FBB7-9C1D-CF97B429E1FC}"/>
               </a:ext>
             </a:extLst>
           </p:cNvPr>
@@ -2373,7 +2373,7 @@
           <a:bodyPr/>
           <a:lstStyle/>
           <a:p>
-            <a:fld id="{1CA66A5C-A663-4EA4-92FE-8D8E3765BECE}" type="datetimeFigureOut">
+            <a:fld id="{C409D5DC-02F6-425F-8C38-10F3798BE6C0}" type="datetimeFigureOut">
               <a:rPr lang="zh-CN" altLang="en-US" smtClean="0"/>
               <a:t>2024/3/10</a:t>
             </a:fld>
@@ -2386,7 +2386,7 @@
           <p:cNvPr id="6" name="页脚占位符 5">
             <a:extLst>
               <a:ext uri="{FF2B5EF4-FFF2-40B4-BE49-F238E27FC236}">
-                <a16:creationId xmlns:a16="http://schemas.microsoft.com/office/drawing/2014/main" id="{A463BC98-490F-A990-A122-0FEA24CD6092}"/>
+                <a16:creationId xmlns:a16="http://schemas.microsoft.com/office/drawing/2014/main" id="{7A795326-AC20-BCE6-FF8A-CCE419FB77C8}"/>
               </a:ext>
             </a:extLst>
           </p:cNvPr>
@@ -2411,7 +2411,7 @@
           <p:cNvPr id="7" name="灯片编号占位符 6">
             <a:extLst>
               <a:ext uri="{FF2B5EF4-FFF2-40B4-BE49-F238E27FC236}">
-                <a16:creationId xmlns:a16="http://schemas.microsoft.com/office/drawing/2014/main" id="{7133EEC3-492F-2B9C-E202-D035BEF1E2EA}"/>
+                <a16:creationId xmlns:a16="http://schemas.microsoft.com/office/drawing/2014/main" id="{9BD49717-6D17-E05A-85D7-8A056BD283D7}"/>
               </a:ext>
             </a:extLst>
           </p:cNvPr>
@@ -2427,7 +2427,7 @@
           <a:bodyPr/>
           <a:lstStyle/>
           <a:p>
-            <a:fld id="{2075508D-FF4D-4FE8-BC58-6B61635A0828}" type="slidenum">
+            <a:fld id="{D78B5998-0C15-44E2-83C5-4D728CDE7610}" type="slidenum">
               <a:rPr lang="zh-CN" altLang="en-US" smtClean="0"/>
               <a:t>‹#›</a:t>
             </a:fld>
@@ -2438,7 +2438,7 @@
     </p:spTree>
     <p:extLst>
       <p:ext uri="{BB962C8B-B14F-4D97-AF65-F5344CB8AC3E}">
-        <p14:creationId xmlns:p14="http://schemas.microsoft.com/office/powerpoint/2010/main" val="4048163494"/>
+        <p14:creationId xmlns:p14="http://schemas.microsoft.com/office/powerpoint/2010/main" val="1205742967"/>
       </p:ext>
     </p:extLst>
   </p:cSld>
@@ -2470,7 +2470,7 @@
           <p:cNvPr id="2" name="标题 1">
             <a:extLst>
               <a:ext uri="{FF2B5EF4-FFF2-40B4-BE49-F238E27FC236}">
-                <a16:creationId xmlns:a16="http://schemas.microsoft.com/office/drawing/2014/main" id="{EB7328D9-22A1-01A2-A68A-D941DE84B7D4}"/>
+                <a16:creationId xmlns:a16="http://schemas.microsoft.com/office/drawing/2014/main" id="{96B32132-96C1-37B3-7708-664E9952B893}"/>
               </a:ext>
             </a:extLst>
           </p:cNvPr>
@@ -2507,7 +2507,7 @@
           <p:cNvPr id="3" name="图片占位符 2">
             <a:extLst>
               <a:ext uri="{FF2B5EF4-FFF2-40B4-BE49-F238E27FC236}">
-                <a16:creationId xmlns:a16="http://schemas.microsoft.com/office/drawing/2014/main" id="{D26CCA09-DE1E-97A5-A9FB-BD41AA855B7B}"/>
+                <a16:creationId xmlns:a16="http://schemas.microsoft.com/office/drawing/2014/main" id="{C40FB340-EAC9-0265-C042-914C76E9028C}"/>
               </a:ext>
             </a:extLst>
           </p:cNvPr>
@@ -2574,7 +2574,7 @@
           <p:cNvPr id="4" name="文本占位符 3">
             <a:extLst>
               <a:ext uri="{FF2B5EF4-FFF2-40B4-BE49-F238E27FC236}">
-                <a16:creationId xmlns:a16="http://schemas.microsoft.com/office/drawing/2014/main" id="{875507E4-F6DF-F5C3-FE90-4EFE230C47F8}"/>
+                <a16:creationId xmlns:a16="http://schemas.microsoft.com/office/drawing/2014/main" id="{8864C151-C40C-E5F0-836F-701F0FEB8A25}"/>
               </a:ext>
             </a:extLst>
           </p:cNvPr>
@@ -2645,7 +2645,7 @@
           <p:cNvPr id="5" name="日期占位符 4">
             <a:extLst>
               <a:ext uri="{FF2B5EF4-FFF2-40B4-BE49-F238E27FC236}">
-                <a16:creationId xmlns:a16="http://schemas.microsoft.com/office/drawing/2014/main" id="{D546D7EF-0F21-AD68-7EBF-06EF9D630FEE}"/>
+                <a16:creationId xmlns:a16="http://schemas.microsoft.com/office/drawing/2014/main" id="{D08C9090-CFCA-749E-45B3-E206C7BE18B9}"/>
               </a:ext>
             </a:extLst>
           </p:cNvPr>
@@ -2661,7 +2661,7 @@
           <a:bodyPr/>
           <a:lstStyle/>
           <a:p>
-            <a:fld id="{1CA66A5C-A663-4EA4-92FE-8D8E3765BECE}" type="datetimeFigureOut">
+            <a:fld id="{C409D5DC-02F6-425F-8C38-10F3798BE6C0}" type="datetimeFigureOut">
               <a:rPr lang="zh-CN" altLang="en-US" smtClean="0"/>
               <a:t>2024/3/10</a:t>
             </a:fld>
@@ -2674,7 +2674,7 @@
           <p:cNvPr id="6" name="页脚占位符 5">
             <a:extLst>
               <a:ext uri="{FF2B5EF4-FFF2-40B4-BE49-F238E27FC236}">
-                <a16:creationId xmlns:a16="http://schemas.microsoft.com/office/drawing/2014/main" id="{AC97B8FE-4133-8410-A851-FA474DF8E868}"/>
+                <a16:creationId xmlns:a16="http://schemas.microsoft.com/office/drawing/2014/main" id="{B1B8ABDF-4578-B1DA-B79A-8CCFD6A1A069}"/>
               </a:ext>
             </a:extLst>
           </p:cNvPr>
@@ -2699,7 +2699,7 @@
           <p:cNvPr id="7" name="灯片编号占位符 6">
             <a:extLst>
               <a:ext uri="{FF2B5EF4-FFF2-40B4-BE49-F238E27FC236}">
-                <a16:creationId xmlns:a16="http://schemas.microsoft.com/office/drawing/2014/main" id="{3D62959C-22F4-C6D8-A8A7-0A393FCD5505}"/>
+                <a16:creationId xmlns:a16="http://schemas.microsoft.com/office/drawing/2014/main" id="{C6976157-AE2D-848C-56B2-0E1BB3E64352}"/>
               </a:ext>
             </a:extLst>
           </p:cNvPr>
@@ -2715,7 +2715,7 @@
           <a:bodyPr/>
           <a:lstStyle/>
           <a:p>
-            <a:fld id="{2075508D-FF4D-4FE8-BC58-6B61635A0828}" type="slidenum">
+            <a:fld id="{D78B5998-0C15-44E2-83C5-4D728CDE7610}" type="slidenum">
               <a:rPr lang="zh-CN" altLang="en-US" smtClean="0"/>
               <a:t>‹#›</a:t>
             </a:fld>
@@ -2726,7 +2726,7 @@
     </p:spTree>
     <p:extLst>
       <p:ext uri="{BB962C8B-B14F-4D97-AF65-F5344CB8AC3E}">
-        <p14:creationId xmlns:p14="http://schemas.microsoft.com/office/powerpoint/2010/main" val="3178410377"/>
+        <p14:creationId xmlns:p14="http://schemas.microsoft.com/office/powerpoint/2010/main" val="2896191246"/>
       </p:ext>
     </p:extLst>
   </p:cSld>
@@ -2763,7 +2763,7 @@
           <p:cNvPr id="2" name="标题占位符 1">
             <a:extLst>
               <a:ext uri="{FF2B5EF4-FFF2-40B4-BE49-F238E27FC236}">
-                <a16:creationId xmlns:a16="http://schemas.microsoft.com/office/drawing/2014/main" id="{12C2C9B2-ACBC-C4F1-5260-69E458F11A47}"/>
+                <a16:creationId xmlns:a16="http://schemas.microsoft.com/office/drawing/2014/main" id="{6805831E-8383-6F3A-9AB4-8B3537770110}"/>
               </a:ext>
             </a:extLst>
           </p:cNvPr>
@@ -2801,7 +2801,7 @@
           <p:cNvPr id="3" name="文本占位符 2">
             <a:extLst>
               <a:ext uri="{FF2B5EF4-FFF2-40B4-BE49-F238E27FC236}">
-                <a16:creationId xmlns:a16="http://schemas.microsoft.com/office/drawing/2014/main" id="{ED38934A-41AF-DF26-0F49-F58CE23FC6F8}"/>
+                <a16:creationId xmlns:a16="http://schemas.microsoft.com/office/drawing/2014/main" id="{39C367B0-3709-2653-45B6-CDF1C3F9DC89}"/>
               </a:ext>
             </a:extLst>
           </p:cNvPr>
@@ -2868,7 +2868,7 @@
           <p:cNvPr id="4" name="日期占位符 3">
             <a:extLst>
               <a:ext uri="{FF2B5EF4-FFF2-40B4-BE49-F238E27FC236}">
-                <a16:creationId xmlns:a16="http://schemas.microsoft.com/office/drawing/2014/main" id="{7AF215A3-36A1-99D2-FC91-961282F6E915}"/>
+                <a16:creationId xmlns:a16="http://schemas.microsoft.com/office/drawing/2014/main" id="{DE1E9CB2-325F-EDBE-EEC3-2DFED5959909}"/>
               </a:ext>
             </a:extLst>
           </p:cNvPr>
@@ -2902,7 +2902,7 @@
             </a:lvl1pPr>
           </a:lstStyle>
           <a:p>
-            <a:fld id="{1CA66A5C-A663-4EA4-92FE-8D8E3765BECE}" type="datetimeFigureOut">
+            <a:fld id="{C409D5DC-02F6-425F-8C38-10F3798BE6C0}" type="datetimeFigureOut">
               <a:rPr lang="zh-CN" altLang="en-US" smtClean="0"/>
               <a:t>2024/3/10</a:t>
             </a:fld>
@@ -2915,7 +2915,7 @@
           <p:cNvPr id="5" name="页脚占位符 4">
             <a:extLst>
               <a:ext uri="{FF2B5EF4-FFF2-40B4-BE49-F238E27FC236}">
-                <a16:creationId xmlns:a16="http://schemas.microsoft.com/office/drawing/2014/main" id="{FCA82397-BA93-E81B-A57A-61959733859E}"/>
+                <a16:creationId xmlns:a16="http://schemas.microsoft.com/office/drawing/2014/main" id="{7F3A2BCF-0D92-2457-393F-7CD4EA180ADE}"/>
               </a:ext>
             </a:extLst>
           </p:cNvPr>
@@ -2958,7 +2958,7 @@
           <p:cNvPr id="6" name="灯片编号占位符 5">
             <a:extLst>
               <a:ext uri="{FF2B5EF4-FFF2-40B4-BE49-F238E27FC236}">
-                <a16:creationId xmlns:a16="http://schemas.microsoft.com/office/drawing/2014/main" id="{4156334B-656B-46E9-12BA-9F44B116D932}"/>
+                <a16:creationId xmlns:a16="http://schemas.microsoft.com/office/drawing/2014/main" id="{FABA3087-3041-4BA8-45E3-52D8BE922043}"/>
               </a:ext>
             </a:extLst>
           </p:cNvPr>
@@ -2992,7 +2992,7 @@
             </a:lvl1pPr>
           </a:lstStyle>
           <a:p>
-            <a:fld id="{2075508D-FF4D-4FE8-BC58-6B61635A0828}" type="slidenum">
+            <a:fld id="{D78B5998-0C15-44E2-83C5-4D728CDE7610}" type="slidenum">
               <a:rPr lang="zh-CN" altLang="en-US" smtClean="0"/>
               <a:t>‹#›</a:t>
             </a:fld>
@@ -3003,7 +3003,7 @@
     </p:spTree>
     <p:extLst>
       <p:ext uri="{BB962C8B-B14F-4D97-AF65-F5344CB8AC3E}">
-        <p14:creationId xmlns:p14="http://schemas.microsoft.com/office/powerpoint/2010/main" val="2578041403"/>
+        <p14:creationId xmlns:p14="http://schemas.microsoft.com/office/powerpoint/2010/main" val="685905372"/>
       </p:ext>
     </p:extLst>
   </p:cSld>
@@ -3323,7 +3323,7 @@
       </p:grpSpPr>
       <p:pic>
         <p:nvPicPr>
-          <p:cNvPr id="947202" name="Picture 2" descr="924"/>
+          <p:cNvPr id="948226" name="Picture 2" descr="925"/>
           <p:cNvPicPr>
             <a:picLocks noChangeAspect="1" noChangeArrowheads="1"/>
           </p:cNvPicPr>
@@ -3344,8 +3344,8 @@
         </p:blipFill>
         <p:spPr bwMode="auto">
           <a:xfrm>
-            <a:off x="1524001" y="26988"/>
-            <a:ext cx="9324975" cy="6858000"/>
+            <a:off x="1524001" y="0"/>
+            <a:ext cx="9053513" cy="6789738"/>
           </a:xfrm>
           <a:prstGeom prst="rect">
             <a:avLst/>
